--- a/BNVMXD_onlab_bemutato.pptx
+++ b/BNVMXD_onlab_bemutato.pptx
@@ -228,7 +228,7 @@
           <a:p>
             <a:fld id="{59041DB8-B66F-4DC8-A96E-33677E0F90FF}" type="datetimeFigureOut">
               <a:rPr lang="hu-HU" smtClean="0"/>
-              <a:t>2017. 12. 05.</a:t>
+              <a:t>2017. 12. 11.</a:t>
             </a:fld>
             <a:endParaRPr lang="hu-HU" dirty="0"/>
           </a:p>
@@ -393,7 +393,7 @@
           <a:p>
             <a:fld id="{DEB49C4A-65AC-492D-9701-81B46C3AD0E4}" type="datetimeFigureOut">
               <a:rPr lang="hu-HU" smtClean="0"/>
-              <a:t>2017. 12. 05.</a:t>
+              <a:t>2017. 12. 11.</a:t>
             </a:fld>
             <a:endParaRPr lang="hu-HU" dirty="0"/>
           </a:p>
@@ -2881,7 +2881,7 @@
           <a:p>
             <a:fld id="{384A29A4-78C8-47AB-BA06-22CB45938951}" type="datetime1">
               <a:rPr lang="hu-HU" smtClean="0"/>
-              <a:t>2017. 12. 05.</a:t>
+              <a:t>2017. 12. 11.</a:t>
             </a:fld>
             <a:endParaRPr lang="hu-HU" dirty="0"/>
           </a:p>
@@ -3073,7 +3073,7 @@
           <a:p>
             <a:fld id="{E1ED4ACF-2D82-46F2-A8E9-23963AA34E86}" type="datetime1">
               <a:rPr lang="hu-HU" smtClean="0"/>
-              <a:t>2017. 12. 05.</a:t>
+              <a:t>2017. 12. 11.</a:t>
             </a:fld>
             <a:endParaRPr lang="hu-HU" dirty="0"/>
           </a:p>
@@ -3255,7 +3255,7 @@
           <a:p>
             <a:fld id="{AE374B5B-21A0-4192-BF4C-38187F1A68D8}" type="datetime1">
               <a:rPr lang="hu-HU" smtClean="0"/>
-              <a:t>2017. 12. 05.</a:t>
+              <a:t>2017. 12. 11.</a:t>
             </a:fld>
             <a:endParaRPr lang="hu-HU" dirty="0"/>
           </a:p>
@@ -5595,7 +5595,7 @@
           <a:p>
             <a:fld id="{33B5CF7C-B333-48E1-A4A6-83A3C8B73AC0}" type="datetime1">
               <a:rPr lang="hu-HU" smtClean="0"/>
-              <a:t>2017. 12. 05.</a:t>
+              <a:t>2017. 12. 11.</a:t>
             </a:fld>
             <a:endParaRPr lang="hu-HU" dirty="0"/>
           </a:p>
@@ -6047,7 +6047,7 @@
           <a:p>
             <a:fld id="{AE320762-5CBF-4210-AB54-376B091119F8}" type="datetime1">
               <a:rPr lang="hu-HU" smtClean="0"/>
-              <a:t>2017. 12. 05.</a:t>
+              <a:t>2017. 12. 11.</a:t>
             </a:fld>
             <a:endParaRPr lang="hu-HU" dirty="0"/>
           </a:p>
@@ -6177,7 +6177,7 @@
           <a:p>
             <a:fld id="{7F0DB371-BF5F-4058-A212-1A908E4D2674}" type="datetime1">
               <a:rPr lang="hu-HU" smtClean="0"/>
-              <a:t>2017. 12. 05.</a:t>
+              <a:t>2017. 12. 11.</a:t>
             </a:fld>
             <a:endParaRPr lang="hu-HU" dirty="0"/>
           </a:p>
@@ -8107,7 +8107,7 @@
           <a:p>
             <a:fld id="{60A4083B-90AA-48CF-BAD5-00AA24D7F288}" type="datetime1">
               <a:rPr lang="hu-HU" smtClean="0"/>
-              <a:t>2017. 12. 05.</a:t>
+              <a:t>2017. 12. 11.</a:t>
             </a:fld>
             <a:endParaRPr lang="hu-HU" dirty="0"/>
           </a:p>
@@ -10354,7 +10354,7 @@
           <a:p>
             <a:fld id="{F5BAF629-ECA2-4CF3-B790-9D9BDED98269}" type="datetime1">
               <a:rPr lang="hu-HU" smtClean="0"/>
-              <a:t>2017. 12. 05.</a:t>
+              <a:t>2017. 12. 11.</a:t>
             </a:fld>
             <a:endParaRPr lang="hu-HU" dirty="0"/>
           </a:p>
@@ -14582,7 +14582,7 @@
           <a:p>
             <a:fld id="{B51B2453-8663-4C69-AF73-9FD7B1DEC5D0}" type="datetime1">
               <a:rPr lang="hu-HU" smtClean="0"/>
-              <a:t>2017. 12. 05.</a:t>
+              <a:t>2017. 12. 11.</a:t>
             </a:fld>
             <a:endParaRPr lang="hu-HU" dirty="0"/>
           </a:p>
@@ -15457,13 +15457,7 @@
           <a:ln>
             <a:noFill/>
           </a:ln>
-          <a:effectLst>
-            <a:outerShdw blurRad="292100" dist="139700" dir="2700000" algn="tl" rotWithShape="0">
-              <a:srgbClr val="333333">
-                <a:alpha val="65000"/>
-              </a:srgbClr>
-            </a:outerShdw>
-          </a:effectLst>
+          <a:effectLst/>
         </p:spPr>
       </p:pic>
     </p:spTree>
@@ -15571,13 +15565,8 @@
           <a:p>
             <a:r>
               <a:rPr lang="hu-HU" dirty="0" smtClean="0"/>
-              <a:t>Kijelölünk a síkon egy pontot és megnézzük, hogy ha itt pattant volna le a labda, mekkora lenne az egyes szenzorok közti időbeli eltérés (adott terjedési sebességnél</a:t>
+              <a:t>Kijelölünk a síkon egy pontot és megnézzük, hogy ha itt pattant volna le a labda, mekkora lenne az egyes szenzorok közti időbeli eltérés (adott terjedési sebességnél)</a:t>
             </a:r>
-            <a:r>
-              <a:rPr lang="hu-HU" dirty="0" smtClean="0"/>
-              <a:t>)</a:t>
-            </a:r>
-            <a:endParaRPr lang="hu-HU" dirty="0" smtClean="0"/>
           </a:p>
           <a:p>
             <a:r>
@@ -16023,11 +16012,7 @@
           <a:p>
             <a:r>
               <a:rPr lang="hu-HU" sz="1800" dirty="0" smtClean="0"/>
-              <a:t>Több szenzor </a:t>
-            </a:r>
-            <a:r>
-              <a:rPr lang="hu-HU" sz="1800" dirty="0" smtClean="0"/>
-              <a:t>alkalmazása.</a:t>
+              <a:t>Több szenzor alkalmazása.</a:t>
             </a:r>
           </a:p>
           <a:p>
@@ -16212,16 +16197,7 @@
                 </a:solidFill>
                 <a:latin typeface="Arial"/>
               </a:rPr>
-              <a:t>A </a:t>
-            </a:r>
-            <a:r>
-              <a:rPr lang="hu-HU" dirty="0" smtClean="0">
-                <a:solidFill>
-                  <a:srgbClr val="D15A3E"/>
-                </a:solidFill>
-                <a:latin typeface="Arial"/>
-              </a:rPr>
-              <a:t>feladat</a:t>
+              <a:t>A feladat</a:t>
             </a:r>
             <a:endParaRPr lang="hu-HU" dirty="0">
               <a:solidFill>
@@ -16407,16 +16383,7 @@
                 </a:solidFill>
                 <a:latin typeface="Arial"/>
               </a:rPr>
-              <a:t>Összetettebb </a:t>
-            </a:r>
-            <a:r>
-              <a:rPr lang="hu-HU" sz="1600" dirty="0" smtClean="0">
-                <a:solidFill>
-                  <a:srgbClr val="2D2E2D"/>
-                </a:solidFill>
-                <a:latin typeface="Arial"/>
-              </a:rPr>
-              <a:t>algoritmusok vizsgálata</a:t>
+              <a:t>Összetettebb algoritmusok vizsgálata</a:t>
             </a:r>
           </a:p>
           <a:p>
@@ -16452,16 +16419,7 @@
                 </a:solidFill>
                 <a:latin typeface="Arial"/>
               </a:rPr>
-              <a:t>Több szenzoros </a:t>
-            </a:r>
-            <a:r>
-              <a:rPr lang="hu-HU" sz="1600" dirty="0" smtClean="0">
-                <a:solidFill>
-                  <a:srgbClr val="2D2E2D"/>
-                </a:solidFill>
-                <a:latin typeface="Arial"/>
-              </a:rPr>
-              <a:t>mérések</a:t>
+              <a:t>Több szenzoros mérések</a:t>
             </a:r>
             <a:endParaRPr lang="hu-HU" sz="1600" dirty="0"/>
           </a:p>
@@ -16663,13 +16621,7 @@
               <a:rPr lang="hu-HU" sz="1200" b="0" dirty="0" smtClean="0">
                 <a:latin typeface="+mn-lt"/>
               </a:rPr>
-              <a:t>első </a:t>
-            </a:r>
-            <a:r>
-              <a:rPr lang="hu-HU" sz="1200" b="0" dirty="0" smtClean="0">
-                <a:latin typeface="+mn-lt"/>
-              </a:rPr>
-              <a:t>10 </a:t>
+              <a:t>első 10 </a:t>
             </a:r>
             <a:r>
               <a:rPr lang="hu-HU" sz="1200" b="0" dirty="0" err="1" smtClean="0">
@@ -16683,9 +16635,6 @@
               </a:rPr>
               <a:t>)</a:t>
             </a:r>
-            <a:endParaRPr lang="hu-HU" sz="1200" b="0" dirty="0">
-              <a:latin typeface="+mn-lt"/>
-            </a:endParaRPr>
           </a:p>
         </p:txBody>
       </p:sp>
@@ -16939,7 +16888,6 @@
               <a:rPr lang="hu-HU" dirty="0" smtClean="0"/>
               <a:t>10 centiméterrel távolabb levő szenzor jele</a:t>
             </a:r>
-            <a:endParaRPr lang="hu-HU" dirty="0" smtClean="0"/>
           </a:p>
           <a:p>
             <a:endParaRPr lang="hu-HU" dirty="0"/>
@@ -16959,11 +16907,7 @@
           <a:p>
             <a:r>
               <a:rPr lang="hu-HU" dirty="0" smtClean="0"/>
-              <a:t>Korreláció</a:t>
-            </a:r>
-            <a:r>
-              <a:rPr lang="hu-HU" dirty="0" smtClean="0"/>
-              <a:t>…?</a:t>
+              <a:t>Korreláció…?</a:t>
             </a:r>
             <a:endParaRPr lang="hu-HU" dirty="0"/>
           </a:p>
@@ -17064,11 +17008,7 @@
           <a:p>
             <a:r>
               <a:rPr lang="hu-HU" dirty="0" smtClean="0"/>
-              <a:t>Ennek oka: fázis- </a:t>
-            </a:r>
-            <a:r>
-              <a:rPr lang="hu-HU" dirty="0" smtClean="0"/>
-              <a:t>és csoportsebesség</a:t>
+              <a:t>Ennek oka: fázis- és csoportsebesség</a:t>
             </a:r>
             <a:endParaRPr lang="hu-HU" dirty="0"/>
           </a:p>
@@ -17184,11 +17124,7 @@
           <a:p>
             <a:r>
               <a:rPr lang="hu-HU" dirty="0" smtClean="0"/>
-              <a:t>Ennek oka: fázis- </a:t>
-            </a:r>
-            <a:r>
-              <a:rPr lang="hu-HU" dirty="0" smtClean="0"/>
-              <a:t>és csoportsebesség</a:t>
+              <a:t>Ennek oka: fázis- és csoportsebesség</a:t>
             </a:r>
             <a:endParaRPr lang="hu-HU" dirty="0"/>
           </a:p>
@@ -17434,7 +17370,6 @@
               <a:rPr lang="hu-HU" dirty="0" smtClean="0"/>
               <a:t>összegezzük</a:t>
             </a:r>
-            <a:endParaRPr lang="hu-HU" dirty="0" smtClean="0"/>
           </a:p>
           <a:p>
             <a:r>
@@ -17537,8 +17472,8 @@
           </a:effectLst>
         </p:spPr>
       </p:pic>
-      <mc:AlternateContent xmlns:mc="http://schemas.openxmlformats.org/markup-compatibility/2006">
-        <mc:Choice xmlns:a14="http://schemas.microsoft.com/office/drawing/2010/main" Requires="a14">
+      <mc:AlternateContent xmlns:mc="http://schemas.openxmlformats.org/markup-compatibility/2006" xmlns:a14="http://schemas.microsoft.com/office/drawing/2010/main">
+        <mc:Choice Requires="a14">
           <p:sp>
             <p:nvSpPr>
               <p:cNvPr id="4" name="Szövegdoboz 3"/>
@@ -18178,7 +18113,7 @@
             </p:txBody>
           </p:sp>
         </mc:Choice>
-        <mc:Fallback>
+        <mc:Fallback xmlns="">
           <p:sp>
             <p:nvSpPr>
               <p:cNvPr id="4" name="Szövegdoboz 3"/>
@@ -18676,13 +18611,7 @@
           <a:ln>
             <a:noFill/>
           </a:ln>
-          <a:effectLst>
-            <a:outerShdw blurRad="292100" dist="139700" dir="2700000" algn="tl" rotWithShape="0">
-              <a:srgbClr val="333333">
-                <a:alpha val="65000"/>
-              </a:srgbClr>
-            </a:outerShdw>
-          </a:effectLst>
+          <a:effectLst/>
         </p:spPr>
       </p:pic>
       <p:pic>
@@ -18710,13 +18639,7 @@
           <a:ln>
             <a:noFill/>
           </a:ln>
-          <a:effectLst>
-            <a:outerShdw blurRad="292100" dist="139700" dir="2700000" algn="tl" rotWithShape="0">
-              <a:srgbClr val="333333">
-                <a:alpha val="65000"/>
-              </a:srgbClr>
-            </a:outerShdw>
-          </a:effectLst>
+          <a:effectLst/>
         </p:spPr>
       </p:pic>
       <p:sp>
@@ -18786,13 +18709,7 @@
           <a:ln>
             <a:noFill/>
           </a:ln>
-          <a:effectLst>
-            <a:outerShdw blurRad="292100" dist="139700" dir="2700000" algn="tl" rotWithShape="0">
-              <a:srgbClr val="333333">
-                <a:alpha val="65000"/>
-              </a:srgbClr>
-            </a:outerShdw>
-          </a:effectLst>
+          <a:effectLst/>
         </p:spPr>
       </p:pic>
       <p:sp>
@@ -18827,18 +18744,7 @@
                 <a:ea typeface="+mj-ea"/>
                 <a:cs typeface="+mj-cs"/>
               </a:rPr>
-              <a:t>Szeizmikus </a:t>
-            </a:r>
-            <a:r>
-              <a:rPr lang="hu-HU" dirty="0" smtClean="0">
-                <a:solidFill>
-                  <a:schemeClr val="accent1"/>
-                </a:solidFill>
-                <a:latin typeface="+mj-lt"/>
-                <a:ea typeface="+mj-ea"/>
-                <a:cs typeface="+mj-cs"/>
-              </a:rPr>
-              <a:t>tömeg: 3g</a:t>
+              <a:t>Szeizmikus tömeg: 3g</a:t>
             </a:r>
             <a:r>
               <a:rPr lang="hu-HU" dirty="0" smtClean="0"/>
@@ -18873,13 +18779,7 @@
           <a:ln>
             <a:noFill/>
           </a:ln>
-          <a:effectLst>
-            <a:outerShdw blurRad="292100" dist="139700" dir="2700000" algn="tl" rotWithShape="0">
-              <a:srgbClr val="333333">
-                <a:alpha val="65000"/>
-              </a:srgbClr>
-            </a:outerShdw>
-          </a:effectLst>
+          <a:effectLst/>
         </p:spPr>
       </p:pic>
     </p:spTree>
